--- a/events/2022-03-16/slides/qa.pptx
+++ b/events/2022-03-16/slides/qa.pptx
@@ -224,7 +224,7 @@
             <a:fld id="{35305EB0-020F-4995-961E-A35B2BB78D2B}" type="datetimeFigureOut">
               <a:rPr kumimoji="1" lang="ja-JP" altLang="en-US" smtClean="0"/>
               <a:pPr/>
-              <a:t>2022/3/14</a:t>
+              <a:t>2022/3/15</a:t>
             </a:fld>
             <a:endParaRPr kumimoji="1" lang="ja-JP" altLang="en-US"/>
           </a:p>
@@ -52493,7 +52493,7 @@
         </p:blipFill>
         <p:spPr>
           <a:xfrm>
-            <a:off x="876865" y="5441132"/>
+            <a:off x="2900242" y="4933354"/>
             <a:ext cx="3415523" cy="447781"/>
           </a:xfrm>
           <a:prstGeom prst="rect">
@@ -52515,7 +52515,7 @@
         </p:nvSpPr>
         <p:spPr>
           <a:xfrm>
-            <a:off x="4292388" y="5157192"/>
+            <a:off x="2392829" y="5567699"/>
             <a:ext cx="4358341" cy="1015663"/>
           </a:xfrm>
           <a:prstGeom prst="rect">
@@ -52687,6 +52687,42 @@
           </a:p>
         </p:txBody>
       </p:sp>
+      <p:pic>
+        <p:nvPicPr>
+          <p:cNvPr id="4" name="図 3" descr="QR コード&#10;&#10;自動的に生成された説明">
+            <a:extLst>
+              <a:ext uri="{FF2B5EF4-FFF2-40B4-BE49-F238E27FC236}">
+                <a16:creationId xmlns:a16="http://schemas.microsoft.com/office/drawing/2014/main" id="{A228C065-F704-D643-AC00-9201B8936C83}"/>
+              </a:ext>
+            </a:extLst>
+          </p:cNvPr>
+          <p:cNvPicPr>
+            <a:picLocks noChangeAspect="1"/>
+          </p:cNvPicPr>
+          <p:nvPr/>
+        </p:nvPicPr>
+        <p:blipFill>
+          <a:blip r:embed="rId4">
+            <a:extLst>
+              <a:ext uri="{28A0092B-C50C-407E-A947-70E740481C1C}">
+                <a14:useLocalDpi xmlns:a14="http://schemas.microsoft.com/office/drawing/2010/main" val="0"/>
+              </a:ext>
+            </a:extLst>
+          </a:blip>
+          <a:stretch>
+            <a:fillRect/>
+          </a:stretch>
+        </p:blipFill>
+        <p:spPr>
+          <a:xfrm>
+            <a:off x="7164288" y="4913312"/>
+            <a:ext cx="1625600" cy="1625600"/>
+          </a:xfrm>
+          <a:prstGeom prst="rect">
+            <a:avLst/>
+          </a:prstGeom>
+        </p:spPr>
+      </p:pic>
     </p:spTree>
     <p:extLst>
       <p:ext uri="{BB962C8B-B14F-4D97-AF65-F5344CB8AC3E}">
